--- a/18_RDD_Transformasyon_Operasyonlari/RDD_Basic_Transformations_And_Actions.pptx
+++ b/18_RDD_Transformasyon_Operasyonlari/RDD_Basic_Transformations_And_Actions.pptx
@@ -965,7 +965,7 @@
           <a:p>
             <a:fld id="{6F77F576-AE14-466D-AA6B-335273622B21}" type="datetimeFigureOut">
               <a:rPr lang="en-US" smtClean="0"/>
-              <a:t>5/8/2019</a:t>
+              <a:t>10/31/2019</a:t>
             </a:fld>
             <a:endParaRPr lang="en-US" dirty="0"/>
           </a:p>
@@ -1364,7 +1364,7 @@
           <a:p>
             <a:fld id="{54AA066D-271F-4C1A-B89A-0705A7689EE9}" type="datetimeFigureOut">
               <a:rPr lang="en-US" smtClean="0"/>
-              <a:t>5/8/2019</a:t>
+              <a:t>10/31/2019</a:t>
             </a:fld>
             <a:endParaRPr lang="en-US" dirty="0"/>
           </a:p>
@@ -1534,7 +1534,7 @@
           <a:p>
             <a:fld id="{54AA066D-271F-4C1A-B89A-0705A7689EE9}" type="datetimeFigureOut">
               <a:rPr lang="en-US" smtClean="0"/>
-              <a:t>5/8/2019</a:t>
+              <a:t>10/31/2019</a:t>
             </a:fld>
             <a:endParaRPr lang="en-US" dirty="0"/>
           </a:p>
@@ -1714,7 +1714,7 @@
           <a:p>
             <a:fld id="{54AA066D-271F-4C1A-B89A-0705A7689EE9}" type="datetimeFigureOut">
               <a:rPr lang="en-US" smtClean="0"/>
-              <a:t>5/8/2019</a:t>
+              <a:t>10/31/2019</a:t>
             </a:fld>
             <a:endParaRPr lang="en-US" dirty="0"/>
           </a:p>
@@ -1884,7 +1884,7 @@
           <a:p>
             <a:fld id="{54AA066D-271F-4C1A-B89A-0705A7689EE9}" type="datetimeFigureOut">
               <a:rPr lang="en-US" smtClean="0"/>
-              <a:t>5/8/2019</a:t>
+              <a:t>10/31/2019</a:t>
             </a:fld>
             <a:endParaRPr lang="en-US" dirty="0"/>
           </a:p>
@@ -2130,7 +2130,7 @@
           <a:p>
             <a:fld id="{54AA066D-271F-4C1A-B89A-0705A7689EE9}" type="datetimeFigureOut">
               <a:rPr lang="en-US" smtClean="0"/>
-              <a:t>5/8/2019</a:t>
+              <a:t>10/31/2019</a:t>
             </a:fld>
             <a:endParaRPr lang="en-US" dirty="0"/>
           </a:p>
@@ -2362,7 +2362,7 @@
           <a:p>
             <a:fld id="{54AA066D-271F-4C1A-B89A-0705A7689EE9}" type="datetimeFigureOut">
               <a:rPr lang="en-US" smtClean="0"/>
-              <a:t>5/8/2019</a:t>
+              <a:t>10/31/2019</a:t>
             </a:fld>
             <a:endParaRPr lang="en-US" dirty="0"/>
           </a:p>
@@ -2729,7 +2729,7 @@
           <a:p>
             <a:fld id="{54AA066D-271F-4C1A-B89A-0705A7689EE9}" type="datetimeFigureOut">
               <a:rPr lang="en-US" smtClean="0"/>
-              <a:t>5/8/2019</a:t>
+              <a:t>10/31/2019</a:t>
             </a:fld>
             <a:endParaRPr lang="en-US" dirty="0"/>
           </a:p>
@@ -2847,7 +2847,7 @@
           <a:p>
             <a:fld id="{54AA066D-271F-4C1A-B89A-0705A7689EE9}" type="datetimeFigureOut">
               <a:rPr lang="en-US" smtClean="0"/>
-              <a:t>5/8/2019</a:t>
+              <a:t>10/31/2019</a:t>
             </a:fld>
             <a:endParaRPr lang="en-US" dirty="0"/>
           </a:p>
@@ -2942,7 +2942,7 @@
           <a:p>
             <a:fld id="{54AA066D-271F-4C1A-B89A-0705A7689EE9}" type="datetimeFigureOut">
               <a:rPr lang="en-US" smtClean="0"/>
-              <a:t>5/8/2019</a:t>
+              <a:t>10/31/2019</a:t>
             </a:fld>
             <a:endParaRPr lang="en-US" dirty="0"/>
           </a:p>
@@ -3219,7 +3219,7 @@
           <a:p>
             <a:fld id="{54AA066D-271F-4C1A-B89A-0705A7689EE9}" type="datetimeFigureOut">
               <a:rPr lang="en-US" smtClean="0"/>
-              <a:t>5/8/2019</a:t>
+              <a:t>10/31/2019</a:t>
             </a:fld>
             <a:endParaRPr lang="en-US" dirty="0"/>
           </a:p>
@@ -3472,7 +3472,7 @@
           <a:p>
             <a:fld id="{54AA066D-271F-4C1A-B89A-0705A7689EE9}" type="datetimeFigureOut">
               <a:rPr lang="en-US" smtClean="0"/>
-              <a:t>5/8/2019</a:t>
+              <a:t>10/31/2019</a:t>
             </a:fld>
             <a:endParaRPr lang="en-US" dirty="0"/>
           </a:p>
@@ -3685,7 +3685,7 @@
           <a:p>
             <a:fld id="{54AA066D-271F-4C1A-B89A-0705A7689EE9}" type="datetimeFigureOut">
               <a:rPr lang="en-US" smtClean="0"/>
-              <a:t>5/8/2019</a:t>
+              <a:t>10/31/2019</a:t>
             </a:fld>
             <a:endParaRPr lang="en-US" dirty="0"/>
           </a:p>
@@ -4237,7 +4237,7 @@
           <p:nvPr/>
         </p:nvPicPr>
         <p:blipFill>
-          <a:blip r:embed="rId3">
+          <a:blip r:embed="rId3" cstate="print">
             <a:extLst>
               <a:ext uri="{28A0092B-C50C-407E-A947-70E740481C1C}">
                 <a14:useLocalDpi xmlns:a14="http://schemas.microsoft.com/office/drawing/2010/main" val="0"/>
@@ -4410,7 +4410,7 @@
           <p:nvPr/>
         </p:nvPicPr>
         <p:blipFill>
-          <a:blip r:embed="rId2">
+          <a:blip r:embed="rId2" cstate="print">
             <a:extLst>
               <a:ext uri="{28A0092B-C50C-407E-A947-70E740481C1C}">
                 <a14:useLocalDpi xmlns:a14="http://schemas.microsoft.com/office/drawing/2010/main" val="0"/>
@@ -4651,7 +4651,7 @@
           <p:nvPr/>
         </p:nvPicPr>
         <p:blipFill>
-          <a:blip r:embed="rId2">
+          <a:blip r:embed="rId2" cstate="print">
             <a:extLst>
               <a:ext uri="{28A0092B-C50C-407E-A947-70E740481C1C}">
                 <a14:useLocalDpi xmlns:a14="http://schemas.microsoft.com/office/drawing/2010/main" val="0"/>
@@ -5216,7 +5216,7 @@
           <p:nvPr/>
         </p:nvPicPr>
         <p:blipFill>
-          <a:blip r:embed="rId2">
+          <a:blip r:embed="rId2" cstate="print">
             <a:extLst>
               <a:ext uri="{28A0092B-C50C-407E-A947-70E740481C1C}">
                 <a14:useLocalDpi xmlns:a14="http://schemas.microsoft.com/office/drawing/2010/main" val="0"/>
@@ -5781,7 +5781,7 @@
           <p:nvPr/>
         </p:nvPicPr>
         <p:blipFill>
-          <a:blip r:embed="rId2">
+          <a:blip r:embed="rId2" cstate="print">
             <a:extLst>
               <a:ext uri="{28A0092B-C50C-407E-A947-70E740481C1C}">
                 <a14:useLocalDpi xmlns:a14="http://schemas.microsoft.com/office/drawing/2010/main" val="0"/>
@@ -6346,7 +6346,7 @@
           <p:nvPr/>
         </p:nvPicPr>
         <p:blipFill>
-          <a:blip r:embed="rId2">
+          <a:blip r:embed="rId2" cstate="print">
             <a:extLst>
               <a:ext uri="{28A0092B-C50C-407E-A947-70E740481C1C}">
                 <a14:useLocalDpi xmlns:a14="http://schemas.microsoft.com/office/drawing/2010/main" val="0"/>
@@ -6911,7 +6911,7 @@
           <p:nvPr/>
         </p:nvPicPr>
         <p:blipFill>
-          <a:blip r:embed="rId2">
+          <a:blip r:embed="rId2" cstate="print">
             <a:extLst>
               <a:ext uri="{28A0092B-C50C-407E-A947-70E740481C1C}">
                 <a14:useLocalDpi xmlns:a14="http://schemas.microsoft.com/office/drawing/2010/main" val="0"/>
@@ -7546,7 +7546,7 @@
           <p:nvPr/>
         </p:nvPicPr>
         <p:blipFill>
-          <a:blip r:embed="rId2">
+          <a:blip r:embed="rId2" cstate="print">
             <a:extLst>
               <a:ext uri="{28A0092B-C50C-407E-A947-70E740481C1C}">
                 <a14:useLocalDpi xmlns:a14="http://schemas.microsoft.com/office/drawing/2010/main" val="0"/>
@@ -7719,7 +7719,7 @@
           <p:nvPr/>
         </p:nvPicPr>
         <p:blipFill>
-          <a:blip r:embed="rId2">
+          <a:blip r:embed="rId2" cstate="print">
             <a:extLst>
               <a:ext uri="{28A0092B-C50C-407E-A947-70E740481C1C}">
                 <a14:useLocalDpi xmlns:a14="http://schemas.microsoft.com/office/drawing/2010/main" val="0"/>
@@ -8108,7 +8108,7 @@
           <p:nvPr/>
         </p:nvPicPr>
         <p:blipFill>
-          <a:blip r:embed="rId2">
+          <a:blip r:embed="rId2" cstate="print">
             <a:extLst>
               <a:ext uri="{28A0092B-C50C-407E-A947-70E740481C1C}">
                 <a14:useLocalDpi xmlns:a14="http://schemas.microsoft.com/office/drawing/2010/main" val="0"/>
@@ -8520,7 +8520,7 @@
           <p:nvPr/>
         </p:nvPicPr>
         <p:blipFill>
-          <a:blip r:embed="rId2">
+          <a:blip r:embed="rId2" cstate="print">
             <a:extLst>
               <a:ext uri="{28A0092B-C50C-407E-A947-70E740481C1C}">
                 <a14:useLocalDpi xmlns:a14="http://schemas.microsoft.com/office/drawing/2010/main" val="0"/>
@@ -9567,7 +9567,7 @@
           <p:nvPr/>
         </p:nvPicPr>
         <p:blipFill>
-          <a:blip r:embed="rId2">
+          <a:blip r:embed="rId2" cstate="print">
             <a:extLst>
               <a:ext uri="{28A0092B-C50C-407E-A947-70E740481C1C}">
                 <a14:useLocalDpi xmlns:a14="http://schemas.microsoft.com/office/drawing/2010/main" val="0"/>
@@ -10061,7 +10061,7 @@
                 </a:solidFill>
                 <a:latin typeface="Roboto"/>
               </a:rPr>
-              <a:t>Her bir elemanın sayısını gösteren bir Long döner.</a:t>
+              <a:t>RDD eleman sayısını gösteren bir Long döner.</a:t>
             </a:r>
           </a:p>
         </p:txBody>
@@ -10312,7 +10312,7 @@
           <p:nvPr/>
         </p:nvPicPr>
         <p:blipFill>
-          <a:blip r:embed="rId2">
+          <a:blip r:embed="rId2" cstate="print">
             <a:extLst>
               <a:ext uri="{28A0092B-C50C-407E-A947-70E740481C1C}">
                 <a14:useLocalDpi xmlns:a14="http://schemas.microsoft.com/office/drawing/2010/main" val="0"/>
@@ -10724,7 +10724,7 @@
           <p:nvPr/>
         </p:nvPicPr>
         <p:blipFill>
-          <a:blip r:embed="rId2">
+          <a:blip r:embed="rId2" cstate="print">
             <a:extLst>
               <a:ext uri="{28A0092B-C50C-407E-A947-70E740481C1C}">
                 <a14:useLocalDpi xmlns:a14="http://schemas.microsoft.com/office/drawing/2010/main" val="0"/>
@@ -11136,7 +11136,7 @@
           <p:nvPr/>
         </p:nvPicPr>
         <p:blipFill>
-          <a:blip r:embed="rId2">
+          <a:blip r:embed="rId2" cstate="print">
             <a:extLst>
               <a:ext uri="{28A0092B-C50C-407E-A947-70E740481C1C}">
                 <a14:useLocalDpi xmlns:a14="http://schemas.microsoft.com/office/drawing/2010/main" val="0"/>
@@ -11548,7 +11548,7 @@
           <p:nvPr/>
         </p:nvPicPr>
         <p:blipFill>
-          <a:blip r:embed="rId2">
+          <a:blip r:embed="rId2" cstate="print">
             <a:extLst>
               <a:ext uri="{28A0092B-C50C-407E-A947-70E740481C1C}">
                 <a14:useLocalDpi xmlns:a14="http://schemas.microsoft.com/office/drawing/2010/main" val="0"/>
@@ -11960,7 +11960,7 @@
           <p:nvPr/>
         </p:nvPicPr>
         <p:blipFill>
-          <a:blip r:embed="rId2">
+          <a:blip r:embed="rId2" cstate="print">
             <a:extLst>
               <a:ext uri="{28A0092B-C50C-407E-A947-70E740481C1C}">
                 <a14:useLocalDpi xmlns:a14="http://schemas.microsoft.com/office/drawing/2010/main" val="0"/>
@@ -12393,7 +12393,7 @@
           <p:nvPr/>
         </p:nvPicPr>
         <p:blipFill>
-          <a:blip r:embed="rId2">
+          <a:blip r:embed="rId2" cstate="print">
             <a:extLst>
               <a:ext uri="{28A0092B-C50C-407E-A947-70E740481C1C}">
                 <a14:useLocalDpi xmlns:a14="http://schemas.microsoft.com/office/drawing/2010/main" val="0"/>
@@ -12811,7 +12811,7 @@
           <p:nvPr/>
         </p:nvPicPr>
         <p:blipFill>
-          <a:blip r:embed="rId2">
+          <a:blip r:embed="rId2" cstate="print">
             <a:extLst>
               <a:ext uri="{28A0092B-C50C-407E-A947-70E740481C1C}">
                 <a14:useLocalDpi xmlns:a14="http://schemas.microsoft.com/office/drawing/2010/main" val="0"/>
@@ -13229,7 +13229,7 @@
           <p:nvPr/>
         </p:nvPicPr>
         <p:blipFill>
-          <a:blip r:embed="rId2">
+          <a:blip r:embed="rId2" cstate="print">
             <a:extLst>
               <a:ext uri="{28A0092B-C50C-407E-A947-70E740481C1C}">
                 <a14:useLocalDpi xmlns:a14="http://schemas.microsoft.com/office/drawing/2010/main" val="0"/>
@@ -13714,7 +13714,7 @@
           <p:nvPr/>
         </p:nvPicPr>
         <p:blipFill>
-          <a:blip r:embed="rId2">
+          <a:blip r:embed="rId2" cstate="print">
             <a:extLst>
               <a:ext uri="{28A0092B-C50C-407E-A947-70E740481C1C}">
                 <a14:useLocalDpi xmlns:a14="http://schemas.microsoft.com/office/drawing/2010/main" val="0"/>
@@ -14244,7 +14244,7 @@
           <p:nvPr/>
         </p:nvPicPr>
         <p:blipFill>
-          <a:blip r:embed="rId2">
+          <a:blip r:embed="rId2" cstate="print">
             <a:extLst>
               <a:ext uri="{28A0092B-C50C-407E-A947-70E740481C1C}">
                 <a14:useLocalDpi xmlns:a14="http://schemas.microsoft.com/office/drawing/2010/main" val="0"/>
@@ -14491,7 +14491,7 @@
           <p:nvPr/>
         </p:nvPicPr>
         <p:blipFill>
-          <a:blip r:embed="rId2">
+          <a:blip r:embed="rId2" cstate="print">
             <a:extLst>
               <a:ext uri="{28A0092B-C50C-407E-A947-70E740481C1C}">
                 <a14:useLocalDpi xmlns:a14="http://schemas.microsoft.com/office/drawing/2010/main" val="0"/>
@@ -14624,7 +14624,7 @@
           <p:nvPr/>
         </p:nvPicPr>
         <p:blipFill>
-          <a:blip r:embed="rId3">
+          <a:blip r:embed="rId3" cstate="print">
             <a:extLst>
               <a:ext uri="{28A0092B-C50C-407E-A947-70E740481C1C}">
                 <a14:useLocalDpi xmlns:a14="http://schemas.microsoft.com/office/drawing/2010/main" val="0"/>
@@ -14807,7 +14807,7 @@
           <p:nvPr/>
         </p:nvPicPr>
         <p:blipFill>
-          <a:blip r:embed="rId2">
+          <a:blip r:embed="rId2" cstate="print">
             <a:extLst>
               <a:ext uri="{28A0092B-C50C-407E-A947-70E740481C1C}">
                 <a14:useLocalDpi xmlns:a14="http://schemas.microsoft.com/office/drawing/2010/main" val="0"/>
@@ -15066,7 +15066,7 @@
           <p:nvPr/>
         </p:nvPicPr>
         <p:blipFill>
-          <a:blip r:embed="rId2">
+          <a:blip r:embed="rId2" cstate="print">
             <a:extLst>
               <a:ext uri="{28A0092B-C50C-407E-A947-70E740481C1C}">
                 <a14:useLocalDpi xmlns:a14="http://schemas.microsoft.com/office/drawing/2010/main" val="0"/>
@@ -15510,7 +15510,7 @@
           <p:nvPr/>
         </p:nvPicPr>
         <p:blipFill>
-          <a:blip r:embed="rId2">
+          <a:blip r:embed="rId2" cstate="print">
             <a:extLst>
               <a:ext uri="{28A0092B-C50C-407E-A947-70E740481C1C}">
                 <a14:useLocalDpi xmlns:a14="http://schemas.microsoft.com/office/drawing/2010/main" val="0"/>
@@ -15954,7 +15954,7 @@
           <p:nvPr/>
         </p:nvPicPr>
         <p:blipFill>
-          <a:blip r:embed="rId2">
+          <a:blip r:embed="rId2" cstate="print">
             <a:extLst>
               <a:ext uri="{28A0092B-C50C-407E-A947-70E740481C1C}">
                 <a14:useLocalDpi xmlns:a14="http://schemas.microsoft.com/office/drawing/2010/main" val="0"/>
@@ -16807,7 +16807,7 @@
           <p:nvPr/>
         </p:nvPicPr>
         <p:blipFill>
-          <a:blip r:embed="rId2">
+          <a:blip r:embed="rId2" cstate="print">
             <a:extLst>
               <a:ext uri="{28A0092B-C50C-407E-A947-70E740481C1C}">
                 <a14:useLocalDpi xmlns:a14="http://schemas.microsoft.com/office/drawing/2010/main" val="0"/>
@@ -17252,7 +17252,7 @@
           <p:nvPr/>
         </p:nvPicPr>
         <p:blipFill>
-          <a:blip r:embed="rId2">
+          <a:blip r:embed="rId2" cstate="print">
             <a:extLst>
               <a:ext uri="{28A0092B-C50C-407E-A947-70E740481C1C}">
                 <a14:useLocalDpi xmlns:a14="http://schemas.microsoft.com/office/drawing/2010/main" val="0"/>
